--- a/figures/ch6_bubble_sort.pptx
+++ b/figures/ch6_bubble_sort.pptx
@@ -2997,7 +2997,7 @@
           <p:nvPr>
             <p:extLst>
               <p:ext uri="{D42A27DB-BD31-4B8C-83A1-F6EECF244321}">
-                <p14:modId xmlns:p14="http://schemas.microsoft.com/office/powerpoint/2010/main" val="2841005756"/>
+                <p14:modId xmlns:p14="http://schemas.microsoft.com/office/powerpoint/2010/main" val="1808255665"/>
               </p:ext>
             </p:extLst>
           </p:nvPr>
@@ -3174,7 +3174,7 @@
                             <a:schemeClr val="tx1"/>
                           </a:solidFill>
                         </a:rPr>
-                        <a:t>25</a:t>
+                        <a:t>4</a:t>
                       </a:r>
                     </a:p>
                   </a:txBody>
@@ -3662,7 +3662,7 @@
           <p:nvPr>
             <p:extLst>
               <p:ext uri="{D42A27DB-BD31-4B8C-83A1-F6EECF244321}">
-                <p14:modId xmlns:p14="http://schemas.microsoft.com/office/powerpoint/2010/main" val="2212035055"/>
+                <p14:modId xmlns:p14="http://schemas.microsoft.com/office/powerpoint/2010/main" val="2635929937"/>
               </p:ext>
             </p:extLst>
           </p:nvPr>
@@ -3839,7 +3839,7 @@
                             <a:schemeClr val="tx1"/>
                           </a:solidFill>
                         </a:rPr>
-                        <a:t>25</a:t>
+                        <a:t>4</a:t>
                       </a:r>
                     </a:p>
                   </a:txBody>
@@ -4201,7 +4201,7 @@
                   <a:schemeClr val="accent6"/>
                 </a:solidFill>
               </a:rPr>
-              <a:t>Swap 109 and 25; </a:t>
+              <a:t>Swap 109 and 4; </a:t>
             </a:r>
           </a:p>
           <a:p>
@@ -4231,7 +4231,7 @@
           <p:nvPr>
             <p:extLst>
               <p:ext uri="{D42A27DB-BD31-4B8C-83A1-F6EECF244321}">
-                <p14:modId xmlns:p14="http://schemas.microsoft.com/office/powerpoint/2010/main" val="1470093050"/>
+                <p14:modId xmlns:p14="http://schemas.microsoft.com/office/powerpoint/2010/main" val="4256707546"/>
               </p:ext>
             </p:extLst>
           </p:nvPr>
@@ -4352,7 +4352,7 @@
                             <a:schemeClr val="tx1"/>
                           </a:solidFill>
                         </a:rPr>
-                        <a:t>25</a:t>
+                        <a:t>4</a:t>
                       </a:r>
                     </a:p>
                   </a:txBody>
@@ -4800,7 +4800,7 @@
           <p:nvPr>
             <p:extLst>
               <p:ext uri="{D42A27DB-BD31-4B8C-83A1-F6EECF244321}">
-                <p14:modId xmlns:p14="http://schemas.microsoft.com/office/powerpoint/2010/main" val="425645118"/>
+                <p14:modId xmlns:p14="http://schemas.microsoft.com/office/powerpoint/2010/main" val="1663923490"/>
               </p:ext>
             </p:extLst>
           </p:nvPr>
@@ -4921,7 +4921,7 @@
                             <a:schemeClr val="tx1"/>
                           </a:solidFill>
                         </a:rPr>
-                        <a:t>25</a:t>
+                        <a:t>4</a:t>
                       </a:r>
                     </a:p>
                   </a:txBody>
@@ -5369,7 +5369,7 @@
           <p:nvPr>
             <p:extLst>
               <p:ext uri="{D42A27DB-BD31-4B8C-83A1-F6EECF244321}">
-                <p14:modId xmlns:p14="http://schemas.microsoft.com/office/powerpoint/2010/main" val="416785244"/>
+                <p14:modId xmlns:p14="http://schemas.microsoft.com/office/powerpoint/2010/main" val="2171506611"/>
               </p:ext>
             </p:extLst>
           </p:nvPr>
@@ -5490,7 +5490,7 @@
                             <a:schemeClr val="tx1"/>
                           </a:solidFill>
                         </a:rPr>
-                        <a:t>25</a:t>
+                        <a:t>4</a:t>
                       </a:r>
                     </a:p>
                   </a:txBody>
